--- a/Digital Marketing Project By Abirami UA.pptx
+++ b/Digital Marketing Project By Abirami UA.pptx
@@ -115,6 +115,11 @@
       </a:defRPr>
     </a:lvl9pPr>
   </p:defaultTextStyle>
+  <p:extLst>
+    <p:ext uri="{EFAFB233-063F-42B5-8137-9DF3F51BA10A}">
+      <p15:sldGuideLst xmlns:p15="http://schemas.microsoft.com/office/powerpoint/2012/main"/>
+    </p:ext>
+  </p:extLst>
 </p:presentation>
 </file>
 
@@ -306,7 +311,7 @@
           <a:p>
             <a:fld id="{DD942ADB-A5B6-4C6D-91FA-88C590719471}" type="datetimeFigureOut">
               <a:rPr lang="en-IN" smtClean="0"/>
-              <a:t>06-03-2024</a:t>
+              <a:t>09-03-2024</a:t>
             </a:fld>
             <a:endParaRPr lang="en-IN"/>
           </a:p>
@@ -644,7 +649,7 @@
           <a:p>
             <a:fld id="{DD942ADB-A5B6-4C6D-91FA-88C590719471}" type="datetimeFigureOut">
               <a:rPr lang="en-IN" smtClean="0"/>
-              <a:t>06-03-2024</a:t>
+              <a:t>09-03-2024</a:t>
             </a:fld>
             <a:endParaRPr lang="en-IN"/>
           </a:p>
@@ -1045,7 +1050,7 @@
           <a:p>
             <a:fld id="{DD942ADB-A5B6-4C6D-91FA-88C590719471}" type="datetimeFigureOut">
               <a:rPr lang="en-IN" smtClean="0"/>
-              <a:t>06-03-2024</a:t>
+              <a:t>09-03-2024</a:t>
             </a:fld>
             <a:endParaRPr lang="en-IN"/>
           </a:p>
@@ -1381,7 +1386,7 @@
           <a:p>
             <a:fld id="{DD942ADB-A5B6-4C6D-91FA-88C590719471}" type="datetimeFigureOut">
               <a:rPr lang="en-IN" smtClean="0"/>
-              <a:t>06-03-2024</a:t>
+              <a:t>09-03-2024</a:t>
             </a:fld>
             <a:endParaRPr lang="en-IN"/>
           </a:p>
@@ -1701,7 +1706,7 @@
           <a:p>
             <a:fld id="{DD942ADB-A5B6-4C6D-91FA-88C590719471}" type="datetimeFigureOut">
               <a:rPr lang="en-IN" smtClean="0"/>
-              <a:t>06-03-2024</a:t>
+              <a:t>09-03-2024</a:t>
             </a:fld>
             <a:endParaRPr lang="en-IN"/>
           </a:p>
@@ -2097,7 +2102,7 @@
           <a:p>
             <a:fld id="{DD942ADB-A5B6-4C6D-91FA-88C590719471}" type="datetimeFigureOut">
               <a:rPr lang="en-IN" smtClean="0"/>
-              <a:t>06-03-2024</a:t>
+              <a:t>09-03-2024</a:t>
             </a:fld>
             <a:endParaRPr lang="en-IN"/>
           </a:p>
@@ -2354,7 +2359,7 @@
           <a:p>
             <a:fld id="{DD942ADB-A5B6-4C6D-91FA-88C590719471}" type="datetimeFigureOut">
               <a:rPr lang="en-IN" smtClean="0"/>
-              <a:t>06-03-2024</a:t>
+              <a:t>09-03-2024</a:t>
             </a:fld>
             <a:endParaRPr lang="en-IN"/>
           </a:p>
@@ -2616,7 +2621,7 @@
           <a:p>
             <a:fld id="{DD942ADB-A5B6-4C6D-91FA-88C590719471}" type="datetimeFigureOut">
               <a:rPr lang="en-IN" smtClean="0"/>
-              <a:t>06-03-2024</a:t>
+              <a:t>09-03-2024</a:t>
             </a:fld>
             <a:endParaRPr lang="en-IN"/>
           </a:p>
@@ -2878,7 +2883,7 @@
           <a:p>
             <a:fld id="{DD942ADB-A5B6-4C6D-91FA-88C590719471}" type="datetimeFigureOut">
               <a:rPr lang="en-IN" smtClean="0"/>
-              <a:t>06-03-2024</a:t>
+              <a:t>09-03-2024</a:t>
             </a:fld>
             <a:endParaRPr lang="en-IN"/>
           </a:p>
@@ -3207,7 +3212,7 @@
           <a:p>
             <a:fld id="{DD942ADB-A5B6-4C6D-91FA-88C590719471}" type="datetimeFigureOut">
               <a:rPr lang="en-IN" smtClean="0"/>
-              <a:t>06-03-2024</a:t>
+              <a:t>09-03-2024</a:t>
             </a:fld>
             <a:endParaRPr lang="en-IN"/>
           </a:p>
@@ -3530,7 +3535,7 @@
           <a:p>
             <a:fld id="{DD942ADB-A5B6-4C6D-91FA-88C590719471}" type="datetimeFigureOut">
               <a:rPr lang="en-IN" smtClean="0"/>
-              <a:t>06-03-2024</a:t>
+              <a:t>09-03-2024</a:t>
             </a:fld>
             <a:endParaRPr lang="en-IN"/>
           </a:p>
@@ -3987,7 +3992,7 @@
           <a:p>
             <a:fld id="{DD942ADB-A5B6-4C6D-91FA-88C590719471}" type="datetimeFigureOut">
               <a:rPr lang="en-IN" smtClean="0"/>
-              <a:t>06-03-2024</a:t>
+              <a:t>09-03-2024</a:t>
             </a:fld>
             <a:endParaRPr lang="en-IN"/>
           </a:p>
@@ -4192,7 +4197,7 @@
           <a:p>
             <a:fld id="{DD942ADB-A5B6-4C6D-91FA-88C590719471}" type="datetimeFigureOut">
               <a:rPr lang="en-IN" smtClean="0"/>
-              <a:t>06-03-2024</a:t>
+              <a:t>09-03-2024</a:t>
             </a:fld>
             <a:endParaRPr lang="en-IN"/>
           </a:p>
@@ -4369,7 +4374,7 @@
           <a:p>
             <a:fld id="{DD942ADB-A5B6-4C6D-91FA-88C590719471}" type="datetimeFigureOut">
               <a:rPr lang="en-IN" smtClean="0"/>
-              <a:t>06-03-2024</a:t>
+              <a:t>09-03-2024</a:t>
             </a:fld>
             <a:endParaRPr lang="en-IN"/>
           </a:p>
@@ -4702,7 +4707,7 @@
           <a:p>
             <a:fld id="{DD942ADB-A5B6-4C6D-91FA-88C590719471}" type="datetimeFigureOut">
               <a:rPr lang="en-IN" smtClean="0"/>
-              <a:t>06-03-2024</a:t>
+              <a:t>09-03-2024</a:t>
             </a:fld>
             <a:endParaRPr lang="en-IN"/>
           </a:p>
@@ -5047,7 +5052,7 @@
           <a:p>
             <a:fld id="{DD942ADB-A5B6-4C6D-91FA-88C590719471}" type="datetimeFigureOut">
               <a:rPr lang="en-IN" smtClean="0"/>
-              <a:t>06-03-2024</a:t>
+              <a:t>09-03-2024</a:t>
             </a:fld>
             <a:endParaRPr lang="en-IN"/>
           </a:p>
@@ -7164,7 +7169,7 @@
           <a:p>
             <a:fld id="{DD942ADB-A5B6-4C6D-91FA-88C590719471}" type="datetimeFigureOut">
               <a:rPr lang="en-IN" smtClean="0"/>
-              <a:t>06-03-2024</a:t>
+              <a:t>09-03-2024</a:t>
             </a:fld>
             <a:endParaRPr lang="en-IN"/>
           </a:p>
@@ -8353,12 +8358,58 @@
             <p:ph idx="1"/>
           </p:nvPr>
         </p:nvSpPr>
-        <p:spPr/>
+        <p:spPr>
+          <a:xfrm>
+            <a:off x="2589212" y="2133600"/>
+            <a:ext cx="8915400" cy="1900518"/>
+          </a:xfrm>
+        </p:spPr>
         <p:txBody>
           <a:bodyPr/>
           <a:lstStyle/>
           <a:p>
-            <a:endParaRPr lang="en-IN"/>
+            <a:r>
+              <a:rPr lang="en-IN" dirty="0">
+                <a:hlinkClick r:id="rId2"/>
+              </a:rPr>
+              <a:t>https://www.figma.com/proto/KAPI15zSY5ag9jDM216rKS/Infosys-Landing-Page?type=design&amp;node-id=2904-267&amp;t=ZGKTq2b6iwgGAMbD-0&amp;scaling=scale-down-width&amp;page-id=2904%3A262</a:t>
+            </a:r>
+            <a:endParaRPr lang="en-IN" dirty="0"/>
+          </a:p>
+        </p:txBody>
+      </p:sp>
+      <p:sp>
+        <p:nvSpPr>
+          <p:cNvPr id="4" name="TextBox 3">
+            <a:extLst>
+              <a:ext uri="{FF2B5EF4-FFF2-40B4-BE49-F238E27FC236}">
+                <a16:creationId xmlns:a16="http://schemas.microsoft.com/office/drawing/2014/main" id="{E6F39482-FAA1-6325-1007-669C44B0E493}"/>
+              </a:ext>
+            </a:extLst>
+          </p:cNvPr>
+          <p:cNvSpPr txBox="1"/>
+          <p:nvPr/>
+        </p:nvSpPr>
+        <p:spPr>
+          <a:xfrm>
+            <a:off x="7360023" y="4670612"/>
+            <a:ext cx="2940424" cy="630942"/>
+          </a:xfrm>
+          <a:prstGeom prst="rect">
+            <a:avLst/>
+          </a:prstGeom>
+          <a:noFill/>
+        </p:spPr>
+        <p:txBody>
+          <a:bodyPr wrap="square" rtlCol="0">
+            <a:spAutoFit/>
+          </a:bodyPr>
+          <a:lstStyle/>
+          <a:p>
+            <a:r>
+              <a:rPr lang="en-IN" sz="3500" b="1" dirty="0"/>
+              <a:t>Thank You!!</a:t>
+            </a:r>
           </a:p>
         </p:txBody>
       </p:sp>
@@ -9468,7 +9519,7 @@
                 <a:latin typeface="Arial" panose="020B0604020202020204" pitchFamily="34" charset="0"/>
                 <a:cs typeface="Arial" panose="020B0604020202020204" pitchFamily="34" charset="0"/>
               </a:rPr>
-              <a:t>Everything Appears Good</a:t>
+              <a:t>Looks Good</a:t>
             </a:r>
           </a:p>
           <a:p>
@@ -9491,7 +9542,7 @@
                 <a:latin typeface="Arial" panose="020B0604020202020204" pitchFamily="34" charset="0"/>
                 <a:cs typeface="Arial" panose="020B0604020202020204" pitchFamily="34" charset="0"/>
               </a:rPr>
-              <a:t>Everything Appears Good</a:t>
+              <a:t>Looks Good</a:t>
             </a:r>
           </a:p>
           <a:p>
@@ -9528,7 +9579,7 @@
                 <a:latin typeface="Arial" panose="020B0604020202020204" pitchFamily="34" charset="0"/>
                 <a:cs typeface="Arial" panose="020B0604020202020204" pitchFamily="34" charset="0"/>
               </a:rPr>
-              <a:t>Everything Appears Good</a:t>
+              <a:t>Looks Good</a:t>
             </a:r>
           </a:p>
           <a:p>
@@ -9551,7 +9602,7 @@
                 <a:latin typeface="Arial" panose="020B0604020202020204" pitchFamily="34" charset="0"/>
                 <a:cs typeface="Arial" panose="020B0604020202020204" pitchFamily="34" charset="0"/>
               </a:rPr>
-              <a:t>Everything Appears Good</a:t>
+              <a:t>Looks Good</a:t>
             </a:r>
           </a:p>
           <a:p>
@@ -9574,7 +9625,7 @@
                 <a:latin typeface="Arial" panose="020B0604020202020204" pitchFamily="34" charset="0"/>
                 <a:cs typeface="Arial" panose="020B0604020202020204" pitchFamily="34" charset="0"/>
               </a:rPr>
-              <a:t>Everything Appears Good</a:t>
+              <a:t>Looks Good</a:t>
             </a:r>
           </a:p>
           <a:p>
@@ -9597,7 +9648,7 @@
                 <a:latin typeface="Arial" panose="020B0604020202020204" pitchFamily="34" charset="0"/>
                 <a:cs typeface="Arial" panose="020B0604020202020204" pitchFamily="34" charset="0"/>
               </a:rPr>
-              <a:t>Everything Appears Good</a:t>
+              <a:t>Looks Good</a:t>
             </a:r>
           </a:p>
         </p:txBody>
@@ -9662,7 +9713,7 @@
                 <a:latin typeface="Arial" panose="020B0604020202020204" pitchFamily="34" charset="0"/>
                 <a:cs typeface="Arial" panose="020B0604020202020204" pitchFamily="34" charset="0"/>
               </a:rPr>
-              <a:t>Everything Appears Good</a:t>
+              <a:t>Looks Good</a:t>
             </a:r>
           </a:p>
           <a:p>
@@ -9685,7 +9736,7 @@
                 <a:latin typeface="Arial" panose="020B0604020202020204" pitchFamily="34" charset="0"/>
                 <a:cs typeface="Arial" panose="020B0604020202020204" pitchFamily="34" charset="0"/>
               </a:rPr>
-              <a:t>Everything Appears Good</a:t>
+              <a:t>Looks Good</a:t>
             </a:r>
           </a:p>
           <a:p>
@@ -9722,7 +9773,7 @@
                 <a:latin typeface="Arial" panose="020B0604020202020204" pitchFamily="34" charset="0"/>
                 <a:cs typeface="Arial" panose="020B0604020202020204" pitchFamily="34" charset="0"/>
               </a:rPr>
-              <a:t>Everything Appears Good</a:t>
+              <a:t>Looks Good</a:t>
             </a:r>
           </a:p>
           <a:p>
@@ -9745,7 +9796,7 @@
                 <a:latin typeface="Arial" panose="020B0604020202020204" pitchFamily="34" charset="0"/>
                 <a:cs typeface="Arial" panose="020B0604020202020204" pitchFamily="34" charset="0"/>
               </a:rPr>
-              <a:t>Everything Appears Good</a:t>
+              <a:t>Looks Good</a:t>
             </a:r>
           </a:p>
           <a:p>
@@ -9768,7 +9819,7 @@
                 <a:latin typeface="Arial" panose="020B0604020202020204" pitchFamily="34" charset="0"/>
                 <a:cs typeface="Arial" panose="020B0604020202020204" pitchFamily="34" charset="0"/>
               </a:rPr>
-              <a:t>Everything Appears Good</a:t>
+              <a:t>Looks Good</a:t>
             </a:r>
           </a:p>
           <a:p>
@@ -9791,7 +9842,7 @@
                 <a:latin typeface="Arial" panose="020B0604020202020204" pitchFamily="34" charset="0"/>
                 <a:cs typeface="Arial" panose="020B0604020202020204" pitchFamily="34" charset="0"/>
               </a:rPr>
-              <a:t>Everything Appears Good</a:t>
+              <a:t>Looks Good</a:t>
             </a:r>
           </a:p>
           <a:p>
@@ -9889,7 +9940,7 @@
                 <a:latin typeface="Arial" panose="020B0604020202020204" pitchFamily="34" charset="0"/>
                 <a:cs typeface="Arial" panose="020B0604020202020204" pitchFamily="34" charset="0"/>
               </a:rPr>
-              <a:t>Everything Appears Good</a:t>
+              <a:t>Looks Good</a:t>
             </a:r>
           </a:p>
           <a:p>
@@ -9912,7 +9963,7 @@
                 <a:latin typeface="Arial" panose="020B0604020202020204" pitchFamily="34" charset="0"/>
                 <a:cs typeface="Arial" panose="020B0604020202020204" pitchFamily="34" charset="0"/>
               </a:rPr>
-              <a:t>Everything Appears Good</a:t>
+              <a:t>Looks Good</a:t>
             </a:r>
           </a:p>
           <a:p>
@@ -9949,7 +10000,7 @@
                 <a:latin typeface="Arial" panose="020B0604020202020204" pitchFamily="34" charset="0"/>
                 <a:cs typeface="Arial" panose="020B0604020202020204" pitchFamily="34" charset="0"/>
               </a:rPr>
-              <a:t>Everything Appears Good</a:t>
+              <a:t>Looks Good</a:t>
             </a:r>
           </a:p>
           <a:p>
@@ -9972,7 +10023,7 @@
                 <a:latin typeface="Arial" panose="020B0604020202020204" pitchFamily="34" charset="0"/>
                 <a:cs typeface="Arial" panose="020B0604020202020204" pitchFamily="34" charset="0"/>
               </a:rPr>
-              <a:t>Everything Appears Good</a:t>
+              <a:t>Looks Good</a:t>
             </a:r>
           </a:p>
           <a:p>
@@ -9995,7 +10046,7 @@
                 <a:latin typeface="Arial" panose="020B0604020202020204" pitchFamily="34" charset="0"/>
                 <a:cs typeface="Arial" panose="020B0604020202020204" pitchFamily="34" charset="0"/>
               </a:rPr>
-              <a:t>Everything Appears Good</a:t>
+              <a:t>Looks Good</a:t>
             </a:r>
           </a:p>
           <a:p>
@@ -10018,7 +10069,7 @@
                 <a:latin typeface="Arial" panose="020B0604020202020204" pitchFamily="34" charset="0"/>
                 <a:cs typeface="Arial" panose="020B0604020202020204" pitchFamily="34" charset="0"/>
               </a:rPr>
-              <a:t>Everything Appears Good</a:t>
+              <a:t>Looks Good</a:t>
             </a:r>
           </a:p>
           <a:p>
@@ -10086,7 +10137,7 @@
                 <a:latin typeface="Arial" panose="020B0604020202020204" pitchFamily="34" charset="0"/>
                 <a:cs typeface="Arial" panose="020B0604020202020204" pitchFamily="34" charset="0"/>
               </a:rPr>
-              <a:t>Everything Appears Good</a:t>
+              <a:t>Looks Good</a:t>
             </a:r>
           </a:p>
           <a:p>
@@ -10109,7 +10160,7 @@
                 <a:latin typeface="Arial" panose="020B0604020202020204" pitchFamily="34" charset="0"/>
                 <a:cs typeface="Arial" panose="020B0604020202020204" pitchFamily="34" charset="0"/>
               </a:rPr>
-              <a:t>Everything Appears Good</a:t>
+              <a:t>Looks Good</a:t>
             </a:r>
           </a:p>
           <a:p>
@@ -10146,7 +10197,7 @@
                 <a:latin typeface="Arial" panose="020B0604020202020204" pitchFamily="34" charset="0"/>
                 <a:cs typeface="Arial" panose="020B0604020202020204" pitchFamily="34" charset="0"/>
               </a:rPr>
-              <a:t>Everything Appears Good</a:t>
+              <a:t>Looks Good</a:t>
             </a:r>
           </a:p>
           <a:p>
@@ -10169,7 +10220,7 @@
                 <a:latin typeface="Arial" panose="020B0604020202020204" pitchFamily="34" charset="0"/>
                 <a:cs typeface="Arial" panose="020B0604020202020204" pitchFamily="34" charset="0"/>
               </a:rPr>
-              <a:t>Everything Appears Good</a:t>
+              <a:t>Looks Good</a:t>
             </a:r>
           </a:p>
           <a:p>
@@ -10192,7 +10243,7 @@
                 <a:latin typeface="Arial" panose="020B0604020202020204" pitchFamily="34" charset="0"/>
                 <a:cs typeface="Arial" panose="020B0604020202020204" pitchFamily="34" charset="0"/>
               </a:rPr>
-              <a:t>Everything Appears Good</a:t>
+              <a:t>Looks Good</a:t>
             </a:r>
           </a:p>
           <a:p>
@@ -10215,7 +10266,7 @@
                 <a:latin typeface="Arial" panose="020B0604020202020204" pitchFamily="34" charset="0"/>
                 <a:cs typeface="Arial" panose="020B0604020202020204" pitchFamily="34" charset="0"/>
               </a:rPr>
-              <a:t>Everything Appears Good</a:t>
+              <a:t>Looks Good</a:t>
             </a:r>
           </a:p>
           <a:p>
@@ -10283,7 +10334,7 @@
                 <a:latin typeface="Arial" panose="020B0604020202020204" pitchFamily="34" charset="0"/>
                 <a:cs typeface="Arial" panose="020B0604020202020204" pitchFamily="34" charset="0"/>
               </a:rPr>
-              <a:t>Everything Appears Good</a:t>
+              <a:t>Looks Good</a:t>
             </a:r>
           </a:p>
           <a:p>
@@ -10306,7 +10357,7 @@
                 <a:latin typeface="Arial" panose="020B0604020202020204" pitchFamily="34" charset="0"/>
                 <a:cs typeface="Arial" panose="020B0604020202020204" pitchFamily="34" charset="0"/>
               </a:rPr>
-              <a:t>Everything Appears Good</a:t>
+              <a:t>Looks Good</a:t>
             </a:r>
           </a:p>
           <a:p>
@@ -10343,7 +10394,7 @@
                 <a:latin typeface="Arial" panose="020B0604020202020204" pitchFamily="34" charset="0"/>
                 <a:cs typeface="Arial" panose="020B0604020202020204" pitchFamily="34" charset="0"/>
               </a:rPr>
-              <a:t>Everything Appears Good</a:t>
+              <a:t>Looks Good</a:t>
             </a:r>
           </a:p>
           <a:p>
@@ -10366,7 +10417,7 @@
                 <a:latin typeface="Arial" panose="020B0604020202020204" pitchFamily="34" charset="0"/>
                 <a:cs typeface="Arial" panose="020B0604020202020204" pitchFamily="34" charset="0"/>
               </a:rPr>
-              <a:t>Everything Appears Good</a:t>
+              <a:t>Looks Good</a:t>
             </a:r>
           </a:p>
           <a:p>
@@ -10389,7 +10440,7 @@
                 <a:latin typeface="Arial" panose="020B0604020202020204" pitchFamily="34" charset="0"/>
                 <a:cs typeface="Arial" panose="020B0604020202020204" pitchFamily="34" charset="0"/>
               </a:rPr>
-              <a:t>Everything Appears Good</a:t>
+              <a:t>Looks Good</a:t>
             </a:r>
           </a:p>
           <a:p>
@@ -10412,7 +10463,7 @@
                 <a:latin typeface="Arial" panose="020B0604020202020204" pitchFamily="34" charset="0"/>
                 <a:cs typeface="Arial" panose="020B0604020202020204" pitchFamily="34" charset="0"/>
               </a:rPr>
-              <a:t>Everything Appears Good</a:t>
+              <a:t>Looks Good</a:t>
             </a:r>
           </a:p>
           <a:p>
